--- a/Slides/Auth-Triples.pptx
+++ b/Slides/Auth-Triples.pptx
@@ -5,7 +5,7 @@
     <p:sldMasterId id="2147483672" r:id="rId1"/>
   </p:sldMasterIdLst>
   <p:notesMasterIdLst>
-    <p:notesMasterId r:id="rId16"/>
+    <p:notesMasterId r:id="rId13"/>
   </p:notesMasterIdLst>
   <p:sldIdLst>
     <p:sldId id="256" r:id="rId2"/>
@@ -19,9 +19,6 @@
     <p:sldId id="400" r:id="rId10"/>
     <p:sldId id="398" r:id="rId11"/>
     <p:sldId id="399" r:id="rId12"/>
-    <p:sldId id="397" r:id="rId13"/>
-    <p:sldId id="396" r:id="rId14"/>
-    <p:sldId id="388" r:id="rId15"/>
   </p:sldIdLst>
   <p:sldSz cx="12192000" cy="6858000"/>
   <p:notesSz cx="6858000" cy="9144000"/>
@@ -912,7 +909,7 @@
           <a:p>
             <a:fld id="{53ABA3B8-C476-6843-A64D-7B5112658E77}" type="datetimeFigureOut">
               <a:rPr kumimoji="1" lang="zh-CN" altLang="en-US" smtClean="0"/>
-              <a:t>2021/12/12</a:t>
+              <a:t>2022/1/6</a:t>
             </a:fld>
             <a:endParaRPr kumimoji="1" lang="zh-CN" altLang="en-US"/>
           </a:p>
@@ -1310,7 +1307,7 @@
           <a:p>
             <a:fld id="{01E6FE81-882E-E04D-80B4-32FD3193F067}" type="datetimeFigureOut">
               <a:rPr kumimoji="1" lang="zh-CN" altLang="en-US" smtClean="0"/>
-              <a:t>2021/12/12</a:t>
+              <a:t>2022/1/6</a:t>
             </a:fld>
             <a:endParaRPr kumimoji="1" lang="zh-CN" altLang="en-US"/>
           </a:p>
@@ -1480,7 +1477,7 @@
           <a:p>
             <a:fld id="{01E6FE81-882E-E04D-80B4-32FD3193F067}" type="datetimeFigureOut">
               <a:rPr kumimoji="1" lang="zh-CN" altLang="en-US" smtClean="0"/>
-              <a:t>2021/12/12</a:t>
+              <a:t>2022/1/6</a:t>
             </a:fld>
             <a:endParaRPr kumimoji="1" lang="zh-CN" altLang="en-US"/>
           </a:p>
@@ -1660,7 +1657,7 @@
           <a:p>
             <a:fld id="{01E6FE81-882E-E04D-80B4-32FD3193F067}" type="datetimeFigureOut">
               <a:rPr kumimoji="1" lang="zh-CN" altLang="en-US" smtClean="0"/>
-              <a:t>2021/12/12</a:t>
+              <a:t>2022/1/6</a:t>
             </a:fld>
             <a:endParaRPr kumimoji="1" lang="zh-CN" altLang="en-US"/>
           </a:p>
@@ -1830,7 +1827,7 @@
           <a:p>
             <a:fld id="{01E6FE81-882E-E04D-80B4-32FD3193F067}" type="datetimeFigureOut">
               <a:rPr kumimoji="1" lang="zh-CN" altLang="en-US" smtClean="0"/>
-              <a:t>2021/12/12</a:t>
+              <a:t>2022/1/6</a:t>
             </a:fld>
             <a:endParaRPr kumimoji="1" lang="zh-CN" altLang="en-US"/>
           </a:p>
@@ -2076,7 +2073,7 @@
           <a:p>
             <a:fld id="{01E6FE81-882E-E04D-80B4-32FD3193F067}" type="datetimeFigureOut">
               <a:rPr kumimoji="1" lang="zh-CN" altLang="en-US" smtClean="0"/>
-              <a:t>2021/12/12</a:t>
+              <a:t>2022/1/6</a:t>
             </a:fld>
             <a:endParaRPr kumimoji="1" lang="zh-CN" altLang="en-US"/>
           </a:p>
@@ -2308,7 +2305,7 @@
           <a:p>
             <a:fld id="{01E6FE81-882E-E04D-80B4-32FD3193F067}" type="datetimeFigureOut">
               <a:rPr kumimoji="1" lang="zh-CN" altLang="en-US" smtClean="0"/>
-              <a:t>2021/12/12</a:t>
+              <a:t>2022/1/6</a:t>
             </a:fld>
             <a:endParaRPr kumimoji="1" lang="zh-CN" altLang="en-US"/>
           </a:p>
@@ -2675,7 +2672,7 @@
           <a:p>
             <a:fld id="{01E6FE81-882E-E04D-80B4-32FD3193F067}" type="datetimeFigureOut">
               <a:rPr kumimoji="1" lang="zh-CN" altLang="en-US" smtClean="0"/>
-              <a:t>2021/12/12</a:t>
+              <a:t>2022/1/6</a:t>
             </a:fld>
             <a:endParaRPr kumimoji="1" lang="zh-CN" altLang="en-US"/>
           </a:p>
@@ -2793,7 +2790,7 @@
           <a:p>
             <a:fld id="{01E6FE81-882E-E04D-80B4-32FD3193F067}" type="datetimeFigureOut">
               <a:rPr kumimoji="1" lang="zh-CN" altLang="en-US" smtClean="0"/>
-              <a:t>2021/12/12</a:t>
+              <a:t>2022/1/6</a:t>
             </a:fld>
             <a:endParaRPr kumimoji="1" lang="zh-CN" altLang="en-US"/>
           </a:p>
@@ -2888,7 +2885,7 @@
           <a:p>
             <a:fld id="{01E6FE81-882E-E04D-80B4-32FD3193F067}" type="datetimeFigureOut">
               <a:rPr kumimoji="1" lang="zh-CN" altLang="en-US" smtClean="0"/>
-              <a:t>2021/12/12</a:t>
+              <a:t>2022/1/6</a:t>
             </a:fld>
             <a:endParaRPr kumimoji="1" lang="zh-CN" altLang="en-US"/>
           </a:p>
@@ -3165,7 +3162,7 @@
           <a:p>
             <a:fld id="{01E6FE81-882E-E04D-80B4-32FD3193F067}" type="datetimeFigureOut">
               <a:rPr kumimoji="1" lang="zh-CN" altLang="en-US" smtClean="0"/>
-              <a:t>2021/12/12</a:t>
+              <a:t>2022/1/6</a:t>
             </a:fld>
             <a:endParaRPr kumimoji="1" lang="zh-CN" altLang="en-US"/>
           </a:p>
@@ -3422,7 +3419,7 @@
           <a:p>
             <a:fld id="{01E6FE81-882E-E04D-80B4-32FD3193F067}" type="datetimeFigureOut">
               <a:rPr kumimoji="1" lang="zh-CN" altLang="en-US" smtClean="0"/>
-              <a:t>2021/12/12</a:t>
+              <a:t>2022/1/6</a:t>
             </a:fld>
             <a:endParaRPr kumimoji="1" lang="zh-CN" altLang="en-US"/>
           </a:p>
@@ -3635,7 +3632,7 @@
           <a:p>
             <a:fld id="{01E6FE81-882E-E04D-80B4-32FD3193F067}" type="datetimeFigureOut">
               <a:rPr kumimoji="1" lang="zh-CN" altLang="en-US" smtClean="0"/>
-              <a:t>2021/12/12</a:t>
+              <a:t>2022/1/6</a:t>
             </a:fld>
             <a:endParaRPr kumimoji="1" lang="zh-CN" altLang="en-US"/>
           </a:p>
@@ -4527,10 +4524,10 @@
             <p:nvPr/>
           </p:nvPicPr>
           <p:blipFill>
-            <a:blip r:embed="rId2">
+            <a:blip r:embed="rId3">
               <a:extLst>
                 <a:ext uri="{96DAC541-7B7A-43D3-8B79-37D633B846F1}">
-                  <asvg:svgBlip xmlns:asvg="http://schemas.microsoft.com/office/drawing/2016/SVG/main" r:embed="rId3"/>
+                  <asvg:svgBlip xmlns:asvg="http://schemas.microsoft.com/office/drawing/2016/SVG/main" r:embed="rId4"/>
                 </a:ext>
               </a:extLst>
             </a:blip>
@@ -4699,10 +4696,10 @@
             <p:nvPr/>
           </p:nvPicPr>
           <p:blipFill>
-            <a:blip r:embed="rId2">
+            <a:blip r:embed="rId3">
               <a:extLst>
                 <a:ext uri="{96DAC541-7B7A-43D3-8B79-37D633B846F1}">
-                  <asvg:svgBlip xmlns:asvg="http://schemas.microsoft.com/office/drawing/2016/SVG/main" r:embed="rId3"/>
+                  <asvg:svgBlip xmlns:asvg="http://schemas.microsoft.com/office/drawing/2016/SVG/main" r:embed="rId4"/>
                 </a:ext>
               </a:extLst>
             </a:blip>
@@ -4871,10 +4868,10 @@
             <p:nvPr/>
           </p:nvPicPr>
           <p:blipFill>
-            <a:blip r:embed="rId2">
+            <a:blip r:embed="rId3">
               <a:extLst>
                 <a:ext uri="{96DAC541-7B7A-43D3-8B79-37D633B846F1}">
-                  <asvg:svgBlip xmlns:asvg="http://schemas.microsoft.com/office/drawing/2016/SVG/main" r:embed="rId3"/>
+                  <asvg:svgBlip xmlns:asvg="http://schemas.microsoft.com/office/drawing/2016/SVG/main" r:embed="rId4"/>
                 </a:ext>
               </a:extLst>
             </a:blip>
@@ -6850,8 +6847,8 @@
           </p:sp>
         </mc:Fallback>
       </mc:AlternateContent>
-      <mc:AlternateContent xmlns:mc="http://schemas.openxmlformats.org/markup-compatibility/2006">
-        <mc:Choice xmlns:a14="http://schemas.microsoft.com/office/drawing/2010/main" Requires="a14">
+      <mc:AlternateContent xmlns:mc="http://schemas.openxmlformats.org/markup-compatibility/2006" xmlns:a14="http://schemas.microsoft.com/office/drawing/2010/main">
+        <mc:Choice Requires="a14">
           <p:sp>
             <p:nvSpPr>
               <p:cNvPr id="41" name="文本框 40">
@@ -7070,7 +7067,7 @@
             </p:txBody>
           </p:sp>
         </mc:Choice>
-        <mc:Fallback>
+        <mc:Fallback xmlns="">
           <p:sp>
             <p:nvSpPr>
               <p:cNvPr id="41" name="文本框 40">
@@ -9244,8 +9241,8 @@
           </p:sp>
         </mc:Fallback>
       </mc:AlternateContent>
-      <mc:AlternateContent xmlns:mc="http://schemas.openxmlformats.org/markup-compatibility/2006" xmlns:a14="http://schemas.microsoft.com/office/drawing/2010/main">
-        <mc:Choice Requires="a14">
+      <mc:AlternateContent xmlns:mc="http://schemas.openxmlformats.org/markup-compatibility/2006">
+        <mc:Choice xmlns:a14="http://schemas.microsoft.com/office/drawing/2010/main" Requires="a14">
           <p:sp>
             <p:nvSpPr>
               <p:cNvPr id="40" name="文本框 39">
@@ -9260,7 +9257,7 @@
             </p:nvSpPr>
             <p:spPr>
               <a:xfrm>
-                <a:off x="4003753" y="3991693"/>
+                <a:off x="4003753" y="3862797"/>
                 <a:ext cx="1922449" cy="391646"/>
               </a:xfrm>
               <a:prstGeom prst="rect">
@@ -9410,7 +9407,7 @@
             </p:txBody>
           </p:sp>
         </mc:Choice>
-        <mc:Fallback xmlns="">
+        <mc:Fallback>
           <p:sp>
             <p:nvSpPr>
               <p:cNvPr id="40" name="文本框 39">
@@ -9427,7 +9424,7 @@
             </p:nvSpPr>
             <p:spPr>
               <a:xfrm>
-                <a:off x="4003753" y="3991693"/>
+                <a:off x="4003753" y="3862797"/>
                 <a:ext cx="1922449" cy="391646"/>
               </a:xfrm>
               <a:prstGeom prst="rect">
@@ -9724,268 +9721,6 @@
     <p:extLst>
       <p:ext uri="{BB962C8B-B14F-4D97-AF65-F5344CB8AC3E}">
         <p14:creationId xmlns:p14="http://schemas.microsoft.com/office/powerpoint/2010/main" val="2443361171"/>
-      </p:ext>
-    </p:extLst>
-  </p:cSld>
-  <p:clrMapOvr>
-    <a:masterClrMapping/>
-  </p:clrMapOvr>
-</p:sld>
-</file>
-
-<file path=ppt/slides/slide12.xml><?xml version="1.0" encoding="utf-8"?>
-<p:sld xmlns:a="http://schemas.openxmlformats.org/drawingml/2006/main" xmlns:r="http://schemas.openxmlformats.org/officeDocument/2006/relationships" xmlns:p="http://schemas.openxmlformats.org/presentationml/2006/main">
-  <p:cSld>
-    <p:spTree>
-      <p:nvGrpSpPr>
-        <p:cNvPr id="1" name=""/>
-        <p:cNvGrpSpPr/>
-        <p:nvPr/>
-      </p:nvGrpSpPr>
-      <p:grpSpPr>
-        <a:xfrm>
-          <a:off x="0" y="0"/>
-          <a:ext cx="0" cy="0"/>
-          <a:chOff x="0" y="0"/>
-          <a:chExt cx="0" cy="0"/>
-        </a:xfrm>
-      </p:grpSpPr>
-      <p:sp>
-        <p:nvSpPr>
-          <p:cNvPr id="2" name="标题 1">
-            <a:extLst>
-              <a:ext uri="{FF2B5EF4-FFF2-40B4-BE49-F238E27FC236}">
-                <a16:creationId xmlns:a16="http://schemas.microsoft.com/office/drawing/2014/main" id="{41BA2D56-0C4B-784C-8731-4AAF2E9E2E6F}"/>
-              </a:ext>
-            </a:extLst>
-          </p:cNvPr>
-          <p:cNvSpPr>
-            <a:spLocks noGrp="1"/>
-          </p:cNvSpPr>
-          <p:nvPr>
-            <p:ph type="title"/>
-          </p:nvPr>
-        </p:nvSpPr>
-        <p:spPr/>
-        <p:txBody>
-          <a:bodyPr/>
-          <a:lstStyle/>
-          <a:p>
-            <a:endParaRPr kumimoji="1" lang="zh-CN" altLang="en-US" dirty="0"/>
-          </a:p>
-        </p:txBody>
-      </p:sp>
-      <p:sp>
-        <p:nvSpPr>
-          <p:cNvPr id="3" name="内容占位符 2">
-            <a:extLst>
-              <a:ext uri="{FF2B5EF4-FFF2-40B4-BE49-F238E27FC236}">
-                <a16:creationId xmlns:a16="http://schemas.microsoft.com/office/drawing/2014/main" id="{FC4F9256-B24B-DE48-8A15-DB68D876E3C5}"/>
-              </a:ext>
-            </a:extLst>
-          </p:cNvPr>
-          <p:cNvSpPr>
-            <a:spLocks noGrp="1"/>
-          </p:cNvSpPr>
-          <p:nvPr>
-            <p:ph idx="1"/>
-          </p:nvPr>
-        </p:nvSpPr>
-        <p:spPr/>
-        <p:txBody>
-          <a:bodyPr/>
-          <a:lstStyle/>
-          <a:p>
-            <a:endParaRPr kumimoji="1" lang="zh-CN" altLang="en-US"/>
-          </a:p>
-        </p:txBody>
-      </p:sp>
-    </p:spTree>
-    <p:extLst>
-      <p:ext uri="{BB962C8B-B14F-4D97-AF65-F5344CB8AC3E}">
-        <p14:creationId xmlns:p14="http://schemas.microsoft.com/office/powerpoint/2010/main" val="1429978850"/>
-      </p:ext>
-    </p:extLst>
-  </p:cSld>
-  <p:clrMapOvr>
-    <a:masterClrMapping/>
-  </p:clrMapOvr>
-</p:sld>
-</file>
-
-<file path=ppt/slides/slide13.xml><?xml version="1.0" encoding="utf-8"?>
-<p:sld xmlns:a="http://schemas.openxmlformats.org/drawingml/2006/main" xmlns:r="http://schemas.openxmlformats.org/officeDocument/2006/relationships" xmlns:p="http://schemas.openxmlformats.org/presentationml/2006/main">
-  <p:cSld>
-    <p:spTree>
-      <p:nvGrpSpPr>
-        <p:cNvPr id="1" name=""/>
-        <p:cNvGrpSpPr/>
-        <p:nvPr/>
-      </p:nvGrpSpPr>
-      <p:grpSpPr>
-        <a:xfrm>
-          <a:off x="0" y="0"/>
-          <a:ext cx="0" cy="0"/>
-          <a:chOff x="0" y="0"/>
-          <a:chExt cx="0" cy="0"/>
-        </a:xfrm>
-      </p:grpSpPr>
-      <p:sp>
-        <p:nvSpPr>
-          <p:cNvPr id="2" name="标题 1">
-            <a:extLst>
-              <a:ext uri="{FF2B5EF4-FFF2-40B4-BE49-F238E27FC236}">
-                <a16:creationId xmlns:a16="http://schemas.microsoft.com/office/drawing/2014/main" id="{AF1554D5-47CD-7C48-9A39-F80754AB4207}"/>
-              </a:ext>
-            </a:extLst>
-          </p:cNvPr>
-          <p:cNvSpPr>
-            <a:spLocks noGrp="1"/>
-          </p:cNvSpPr>
-          <p:nvPr>
-            <p:ph type="title"/>
-          </p:nvPr>
-        </p:nvSpPr>
-        <p:spPr/>
-        <p:txBody>
-          <a:bodyPr/>
-          <a:lstStyle/>
-          <a:p>
-            <a:endParaRPr kumimoji="1" lang="zh-CN" altLang="en-US"/>
-          </a:p>
-        </p:txBody>
-      </p:sp>
-      <p:sp>
-        <p:nvSpPr>
-          <p:cNvPr id="3" name="内容占位符 2">
-            <a:extLst>
-              <a:ext uri="{FF2B5EF4-FFF2-40B4-BE49-F238E27FC236}">
-                <a16:creationId xmlns:a16="http://schemas.microsoft.com/office/drawing/2014/main" id="{F5A6ED1A-14CF-EB41-9541-081F43E2E685}"/>
-              </a:ext>
-            </a:extLst>
-          </p:cNvPr>
-          <p:cNvSpPr>
-            <a:spLocks noGrp="1"/>
-          </p:cNvSpPr>
-          <p:nvPr>
-            <p:ph idx="1"/>
-          </p:nvPr>
-        </p:nvSpPr>
-        <p:spPr/>
-        <p:txBody>
-          <a:bodyPr/>
-          <a:lstStyle/>
-          <a:p>
-            <a:endParaRPr kumimoji="1" lang="zh-CN" altLang="en-US"/>
-          </a:p>
-        </p:txBody>
-      </p:sp>
-    </p:spTree>
-    <p:extLst>
-      <p:ext uri="{BB962C8B-B14F-4D97-AF65-F5344CB8AC3E}">
-        <p14:creationId xmlns:p14="http://schemas.microsoft.com/office/powerpoint/2010/main" val="2051517325"/>
-      </p:ext>
-    </p:extLst>
-  </p:cSld>
-  <p:clrMapOvr>
-    <a:masterClrMapping/>
-  </p:clrMapOvr>
-</p:sld>
-</file>
-
-<file path=ppt/slides/slide14.xml><?xml version="1.0" encoding="utf-8"?>
-<p:sld xmlns:a="http://schemas.openxmlformats.org/drawingml/2006/main" xmlns:r="http://schemas.openxmlformats.org/officeDocument/2006/relationships" xmlns:p="http://schemas.openxmlformats.org/presentationml/2006/main" show="0">
-  <p:cSld>
-    <p:spTree>
-      <p:nvGrpSpPr>
-        <p:cNvPr id="1" name=""/>
-        <p:cNvGrpSpPr/>
-        <p:nvPr/>
-      </p:nvGrpSpPr>
-      <p:grpSpPr>
-        <a:xfrm>
-          <a:off x="0" y="0"/>
-          <a:ext cx="0" cy="0"/>
-          <a:chOff x="0" y="0"/>
-          <a:chExt cx="0" cy="0"/>
-        </a:xfrm>
-      </p:grpSpPr>
-      <p:sp>
-        <p:nvSpPr>
-          <p:cNvPr id="2" name="标题 1">
-            <a:extLst>
-              <a:ext uri="{FF2B5EF4-FFF2-40B4-BE49-F238E27FC236}">
-                <a16:creationId xmlns:a16="http://schemas.microsoft.com/office/drawing/2014/main" id="{06165806-D60D-4BBF-9283-A7C7964F6A84}"/>
-              </a:ext>
-            </a:extLst>
-          </p:cNvPr>
-          <p:cNvSpPr>
-            <a:spLocks noGrp="1"/>
-          </p:cNvSpPr>
-          <p:nvPr>
-            <p:ph type="title"/>
-          </p:nvPr>
-        </p:nvSpPr>
-        <p:spPr/>
-        <p:txBody>
-          <a:bodyPr/>
-          <a:lstStyle/>
-          <a:p>
-            <a:r>
-              <a:rPr lang="en-US" altLang="zh-CN"/>
-              <a:t>Synopsis</a:t>
-            </a:r>
-            <a:endParaRPr lang="zh-CN" altLang="en-US"/>
-          </a:p>
-        </p:txBody>
-      </p:sp>
-      <p:sp>
-        <p:nvSpPr>
-          <p:cNvPr id="3" name="内容占位符 2">
-            <a:extLst>
-              <a:ext uri="{FF2B5EF4-FFF2-40B4-BE49-F238E27FC236}">
-                <a16:creationId xmlns:a16="http://schemas.microsoft.com/office/drawing/2014/main" id="{19714C57-147A-4400-8B90-2D47EF85E897}"/>
-              </a:ext>
-            </a:extLst>
-          </p:cNvPr>
-          <p:cNvSpPr>
-            <a:spLocks noGrp="1"/>
-          </p:cNvSpPr>
-          <p:nvPr>
-            <p:ph idx="1"/>
-          </p:nvPr>
-        </p:nvSpPr>
-        <p:spPr/>
-        <p:txBody>
-          <a:bodyPr/>
-          <a:lstStyle/>
-          <a:p>
-            <a:r>
-              <a:rPr lang="en-US" altLang="zh-CN" dirty="0">
-                <a:solidFill>
-                  <a:schemeClr val="bg1">
-                    <a:lumMod val="85000"/>
-                  </a:schemeClr>
-                </a:solidFill>
-              </a:rPr>
-              <a:t>Functionality</a:t>
-            </a:r>
-          </a:p>
-          <a:p>
-            <a:endParaRPr lang="en-US" altLang="zh-CN" dirty="0"/>
-          </a:p>
-          <a:p>
-            <a:r>
-              <a:rPr lang="en-US" altLang="zh-CN" dirty="0"/>
-              <a:t>Proposal</a:t>
-            </a:r>
-          </a:p>
-        </p:txBody>
-      </p:sp>
-    </p:spTree>
-    <p:extLst>
-      <p:ext uri="{BB962C8B-B14F-4D97-AF65-F5344CB8AC3E}">
-        <p14:creationId xmlns:p14="http://schemas.microsoft.com/office/powerpoint/2010/main" val="1703832658"/>
       </p:ext>
     </p:extLst>
   </p:cSld>
@@ -22625,8 +22360,8 @@
           </p:sp>
         </mc:Fallback>
       </mc:AlternateContent>
-      <mc:AlternateContent xmlns:mc="http://schemas.openxmlformats.org/markup-compatibility/2006">
-        <mc:Choice xmlns:a14="http://schemas.microsoft.com/office/drawing/2010/main" Requires="a14">
+      <mc:AlternateContent xmlns:mc="http://schemas.openxmlformats.org/markup-compatibility/2006" xmlns:a14="http://schemas.microsoft.com/office/drawing/2010/main">
+        <mc:Choice Requires="a14">
           <p:sp>
             <p:nvSpPr>
               <p:cNvPr id="3" name="文本框 2">
@@ -22655,6 +22390,7 @@
               </a:bodyPr>
               <a:lstStyle/>
               <a:p>
+                <a:pPr/>
                 <a14:m>
                   <m:oMathPara xmlns:m="http://schemas.openxmlformats.org/officeDocument/2006/math">
                     <m:oMathParaPr>
@@ -22743,7 +22479,7 @@
             </p:txBody>
           </p:sp>
         </mc:Choice>
-        <mc:Fallback>
+        <mc:Fallback xmlns="">
           <p:sp>
             <p:nvSpPr>
               <p:cNvPr id="3" name="文本框 2">
@@ -22833,8 +22569,8 @@
           </a:fontRef>
         </p:style>
       </p:cxnSp>
-      <mc:AlternateContent xmlns:mc="http://schemas.openxmlformats.org/markup-compatibility/2006">
-        <mc:Choice xmlns:a14="http://schemas.microsoft.com/office/drawing/2010/main" Requires="a14">
+      <mc:AlternateContent xmlns:mc="http://schemas.openxmlformats.org/markup-compatibility/2006" xmlns:a14="http://schemas.microsoft.com/office/drawing/2010/main">
+        <mc:Choice Requires="a14">
           <p:sp>
             <p:nvSpPr>
               <p:cNvPr id="30" name="文本框 29">
@@ -22947,7 +22683,7 @@
             </p:txBody>
           </p:sp>
         </mc:Choice>
-        <mc:Fallback>
+        <mc:Fallback xmlns="">
           <p:sp>
             <p:nvSpPr>
               <p:cNvPr id="30" name="文本框 29">
@@ -23087,8 +22823,8 @@
           </a:fontRef>
         </p:style>
       </p:cxnSp>
-      <mc:AlternateContent xmlns:mc="http://schemas.openxmlformats.org/markup-compatibility/2006">
-        <mc:Choice xmlns:a14="http://schemas.microsoft.com/office/drawing/2010/main" Requires="a14">
+      <mc:AlternateContent xmlns:mc="http://schemas.openxmlformats.org/markup-compatibility/2006" xmlns:a14="http://schemas.microsoft.com/office/drawing/2010/main">
+        <mc:Choice Requires="a14">
           <p:sp>
             <p:nvSpPr>
               <p:cNvPr id="53" name="文本框 52">
@@ -23248,7 +22984,7 @@
             </p:txBody>
           </p:sp>
         </mc:Choice>
-        <mc:Fallback>
+        <mc:Fallback xmlns="">
           <p:sp>
             <p:nvSpPr>
               <p:cNvPr id="53" name="文本框 52">
@@ -23293,8 +23029,8 @@
           </p:sp>
         </mc:Fallback>
       </mc:AlternateContent>
-      <mc:AlternateContent xmlns:mc="http://schemas.openxmlformats.org/markup-compatibility/2006">
-        <mc:Choice xmlns:a14="http://schemas.microsoft.com/office/drawing/2010/main" Requires="a14">
+      <mc:AlternateContent xmlns:mc="http://schemas.openxmlformats.org/markup-compatibility/2006" xmlns:a14="http://schemas.microsoft.com/office/drawing/2010/main">
+        <mc:Choice Requires="a14">
           <p:sp>
             <p:nvSpPr>
               <p:cNvPr id="54" name="文本框 53">
@@ -23388,7 +23124,7 @@
             </p:txBody>
           </p:sp>
         </mc:Choice>
-        <mc:Fallback>
+        <mc:Fallback xmlns="">
           <p:sp>
             <p:nvSpPr>
               <p:cNvPr id="54" name="文本框 53">
@@ -23433,8 +23169,8 @@
           </p:sp>
         </mc:Fallback>
       </mc:AlternateContent>
-      <mc:AlternateContent xmlns:mc="http://schemas.openxmlformats.org/markup-compatibility/2006">
-        <mc:Choice xmlns:a14="http://schemas.microsoft.com/office/drawing/2010/main" Requires="a14">
+      <mc:AlternateContent xmlns:mc="http://schemas.openxmlformats.org/markup-compatibility/2006" xmlns:a14="http://schemas.microsoft.com/office/drawing/2010/main">
+        <mc:Choice Requires="a14">
           <p:sp>
             <p:nvSpPr>
               <p:cNvPr id="56" name="文本框 55">
@@ -23590,7 +23326,7 @@
             </p:txBody>
           </p:sp>
         </mc:Choice>
-        <mc:Fallback>
+        <mc:Fallback xmlns="">
           <p:sp>
             <p:nvSpPr>
               <p:cNvPr id="56" name="文本框 55">
@@ -23680,8 +23416,8 @@
           </a:fontRef>
         </p:style>
       </p:cxnSp>
-      <mc:AlternateContent xmlns:mc="http://schemas.openxmlformats.org/markup-compatibility/2006">
-        <mc:Choice xmlns:a14="http://schemas.microsoft.com/office/drawing/2010/main" Requires="a14">
+      <mc:AlternateContent xmlns:mc="http://schemas.openxmlformats.org/markup-compatibility/2006" xmlns:a14="http://schemas.microsoft.com/office/drawing/2010/main">
+        <mc:Choice Requires="a14">
           <p:sp>
             <p:nvSpPr>
               <p:cNvPr id="58" name="文本框 57">
@@ -23763,7 +23499,7 @@
             </p:txBody>
           </p:sp>
         </mc:Choice>
-        <mc:Fallback>
+        <mc:Fallback xmlns="">
           <p:sp>
             <p:nvSpPr>
               <p:cNvPr id="58" name="文本框 57">
@@ -23852,8 +23588,8 @@
           </a:fontRef>
         </p:style>
       </p:cxnSp>
-      <mc:AlternateContent xmlns:mc="http://schemas.openxmlformats.org/markup-compatibility/2006">
-        <mc:Choice xmlns:a14="http://schemas.microsoft.com/office/drawing/2010/main" Requires="a14">
+      <mc:AlternateContent xmlns:mc="http://schemas.openxmlformats.org/markup-compatibility/2006" xmlns:a14="http://schemas.microsoft.com/office/drawing/2010/main">
+        <mc:Choice Requires="a14">
           <p:sp>
             <p:nvSpPr>
               <p:cNvPr id="60" name="文本框 59">
@@ -23985,7 +23721,7 @@
             </p:txBody>
           </p:sp>
         </mc:Choice>
-        <mc:Fallback>
+        <mc:Fallback xmlns="">
           <p:sp>
             <p:nvSpPr>
               <p:cNvPr id="60" name="文本框 59">
@@ -24030,8 +23766,8 @@
           </p:sp>
         </mc:Fallback>
       </mc:AlternateContent>
-      <mc:AlternateContent xmlns:mc="http://schemas.openxmlformats.org/markup-compatibility/2006">
-        <mc:Choice xmlns:a14="http://schemas.microsoft.com/office/drawing/2010/main" Requires="a14">
+      <mc:AlternateContent xmlns:mc="http://schemas.openxmlformats.org/markup-compatibility/2006" xmlns:a14="http://schemas.microsoft.com/office/drawing/2010/main">
+        <mc:Choice Requires="a14">
           <p:sp>
             <p:nvSpPr>
               <p:cNvPr id="63" name="文本框 62">
@@ -24149,7 +23885,7 @@
             </p:txBody>
           </p:sp>
         </mc:Choice>
-        <mc:Fallback>
+        <mc:Fallback xmlns="">
           <p:sp>
             <p:nvSpPr>
               <p:cNvPr id="63" name="文本框 62">
@@ -24239,8 +23975,8 @@
           </a:fontRef>
         </p:style>
       </p:cxnSp>
-      <mc:AlternateContent xmlns:mc="http://schemas.openxmlformats.org/markup-compatibility/2006">
-        <mc:Choice xmlns:a14="http://schemas.microsoft.com/office/drawing/2010/main" Requires="a14">
+      <mc:AlternateContent xmlns:mc="http://schemas.openxmlformats.org/markup-compatibility/2006" xmlns:a14="http://schemas.microsoft.com/office/drawing/2010/main">
+        <mc:Choice Requires="a14">
           <p:sp>
             <p:nvSpPr>
               <p:cNvPr id="66" name="文本框 65">
@@ -24371,7 +24107,7 @@
             </p:txBody>
           </p:sp>
         </mc:Choice>
-        <mc:Fallback>
+        <mc:Fallback xmlns="">
           <p:sp>
             <p:nvSpPr>
               <p:cNvPr id="66" name="文本框 65">
@@ -24416,8 +24152,8 @@
           </p:sp>
         </mc:Fallback>
       </mc:AlternateContent>
-      <mc:AlternateContent xmlns:mc="http://schemas.openxmlformats.org/markup-compatibility/2006">
-        <mc:Choice xmlns:a14="http://schemas.microsoft.com/office/drawing/2010/main" Requires="a14">
+      <mc:AlternateContent xmlns:mc="http://schemas.openxmlformats.org/markup-compatibility/2006" xmlns:a14="http://schemas.microsoft.com/office/drawing/2010/main">
+        <mc:Choice Requires="a14">
           <p:sp>
             <p:nvSpPr>
               <p:cNvPr id="67" name="文本框 66">
@@ -24601,7 +24337,7 @@
             </p:txBody>
           </p:sp>
         </mc:Choice>
-        <mc:Fallback>
+        <mc:Fallback xmlns="">
           <p:sp>
             <p:nvSpPr>
               <p:cNvPr id="67" name="文本框 66">
@@ -24646,8 +24382,8 @@
           </p:sp>
         </mc:Fallback>
       </mc:AlternateContent>
-      <mc:AlternateContent xmlns:mc="http://schemas.openxmlformats.org/markup-compatibility/2006">
-        <mc:Choice xmlns:a14="http://schemas.microsoft.com/office/drawing/2010/main" Requires="a14">
+      <mc:AlternateContent xmlns:mc="http://schemas.openxmlformats.org/markup-compatibility/2006" xmlns:a14="http://schemas.microsoft.com/office/drawing/2010/main">
+        <mc:Choice Requires="a14">
           <p:sp>
             <p:nvSpPr>
               <p:cNvPr id="68" name="文本框 67">
@@ -24736,7 +24472,7 @@
             </p:txBody>
           </p:sp>
         </mc:Choice>
-        <mc:Fallback>
+        <mc:Fallback xmlns="">
           <p:sp>
             <p:nvSpPr>
               <p:cNvPr id="68" name="文本框 67">

--- a/Slides/Auth-Triples.pptx
+++ b/Slides/Auth-Triples.pptx
@@ -5,7 +5,7 @@
     <p:sldMasterId id="2147483672" r:id="rId1"/>
   </p:sldMasterIdLst>
   <p:notesMasterIdLst>
-    <p:notesMasterId r:id="rId13"/>
+    <p:notesMasterId r:id="rId16"/>
   </p:notesMasterIdLst>
   <p:sldIdLst>
     <p:sldId id="256" r:id="rId2"/>
@@ -19,6 +19,9 @@
     <p:sldId id="400" r:id="rId10"/>
     <p:sldId id="398" r:id="rId11"/>
     <p:sldId id="399" r:id="rId12"/>
+    <p:sldId id="397" r:id="rId13"/>
+    <p:sldId id="396" r:id="rId14"/>
+    <p:sldId id="388" r:id="rId15"/>
   </p:sldIdLst>
   <p:sldSz cx="12192000" cy="6858000"/>
   <p:notesSz cx="6858000" cy="9144000"/>
@@ -909,7 +912,7 @@
           <a:p>
             <a:fld id="{53ABA3B8-C476-6843-A64D-7B5112658E77}" type="datetimeFigureOut">
               <a:rPr kumimoji="1" lang="zh-CN" altLang="en-US" smtClean="0"/>
-              <a:t>2022/1/6</a:t>
+              <a:t>2021/12/12</a:t>
             </a:fld>
             <a:endParaRPr kumimoji="1" lang="zh-CN" altLang="en-US"/>
           </a:p>
@@ -1307,7 +1310,7 @@
           <a:p>
             <a:fld id="{01E6FE81-882E-E04D-80B4-32FD3193F067}" type="datetimeFigureOut">
               <a:rPr kumimoji="1" lang="zh-CN" altLang="en-US" smtClean="0"/>
-              <a:t>2022/1/6</a:t>
+              <a:t>2021/12/12</a:t>
             </a:fld>
             <a:endParaRPr kumimoji="1" lang="zh-CN" altLang="en-US"/>
           </a:p>
@@ -1477,7 +1480,7 @@
           <a:p>
             <a:fld id="{01E6FE81-882E-E04D-80B4-32FD3193F067}" type="datetimeFigureOut">
               <a:rPr kumimoji="1" lang="zh-CN" altLang="en-US" smtClean="0"/>
-              <a:t>2022/1/6</a:t>
+              <a:t>2021/12/12</a:t>
             </a:fld>
             <a:endParaRPr kumimoji="1" lang="zh-CN" altLang="en-US"/>
           </a:p>
@@ -1657,7 +1660,7 @@
           <a:p>
             <a:fld id="{01E6FE81-882E-E04D-80B4-32FD3193F067}" type="datetimeFigureOut">
               <a:rPr kumimoji="1" lang="zh-CN" altLang="en-US" smtClean="0"/>
-              <a:t>2022/1/6</a:t>
+              <a:t>2021/12/12</a:t>
             </a:fld>
             <a:endParaRPr kumimoji="1" lang="zh-CN" altLang="en-US"/>
           </a:p>
@@ -1827,7 +1830,7 @@
           <a:p>
             <a:fld id="{01E6FE81-882E-E04D-80B4-32FD3193F067}" type="datetimeFigureOut">
               <a:rPr kumimoji="1" lang="zh-CN" altLang="en-US" smtClean="0"/>
-              <a:t>2022/1/6</a:t>
+              <a:t>2021/12/12</a:t>
             </a:fld>
             <a:endParaRPr kumimoji="1" lang="zh-CN" altLang="en-US"/>
           </a:p>
@@ -2073,7 +2076,7 @@
           <a:p>
             <a:fld id="{01E6FE81-882E-E04D-80B4-32FD3193F067}" type="datetimeFigureOut">
               <a:rPr kumimoji="1" lang="zh-CN" altLang="en-US" smtClean="0"/>
-              <a:t>2022/1/6</a:t>
+              <a:t>2021/12/12</a:t>
             </a:fld>
             <a:endParaRPr kumimoji="1" lang="zh-CN" altLang="en-US"/>
           </a:p>
@@ -2305,7 +2308,7 @@
           <a:p>
             <a:fld id="{01E6FE81-882E-E04D-80B4-32FD3193F067}" type="datetimeFigureOut">
               <a:rPr kumimoji="1" lang="zh-CN" altLang="en-US" smtClean="0"/>
-              <a:t>2022/1/6</a:t>
+              <a:t>2021/12/12</a:t>
             </a:fld>
             <a:endParaRPr kumimoji="1" lang="zh-CN" altLang="en-US"/>
           </a:p>
@@ -2672,7 +2675,7 @@
           <a:p>
             <a:fld id="{01E6FE81-882E-E04D-80B4-32FD3193F067}" type="datetimeFigureOut">
               <a:rPr kumimoji="1" lang="zh-CN" altLang="en-US" smtClean="0"/>
-              <a:t>2022/1/6</a:t>
+              <a:t>2021/12/12</a:t>
             </a:fld>
             <a:endParaRPr kumimoji="1" lang="zh-CN" altLang="en-US"/>
           </a:p>
@@ -2790,7 +2793,7 @@
           <a:p>
             <a:fld id="{01E6FE81-882E-E04D-80B4-32FD3193F067}" type="datetimeFigureOut">
               <a:rPr kumimoji="1" lang="zh-CN" altLang="en-US" smtClean="0"/>
-              <a:t>2022/1/6</a:t>
+              <a:t>2021/12/12</a:t>
             </a:fld>
             <a:endParaRPr kumimoji="1" lang="zh-CN" altLang="en-US"/>
           </a:p>
@@ -2885,7 +2888,7 @@
           <a:p>
             <a:fld id="{01E6FE81-882E-E04D-80B4-32FD3193F067}" type="datetimeFigureOut">
               <a:rPr kumimoji="1" lang="zh-CN" altLang="en-US" smtClean="0"/>
-              <a:t>2022/1/6</a:t>
+              <a:t>2021/12/12</a:t>
             </a:fld>
             <a:endParaRPr kumimoji="1" lang="zh-CN" altLang="en-US"/>
           </a:p>
@@ -3162,7 +3165,7 @@
           <a:p>
             <a:fld id="{01E6FE81-882E-E04D-80B4-32FD3193F067}" type="datetimeFigureOut">
               <a:rPr kumimoji="1" lang="zh-CN" altLang="en-US" smtClean="0"/>
-              <a:t>2022/1/6</a:t>
+              <a:t>2021/12/12</a:t>
             </a:fld>
             <a:endParaRPr kumimoji="1" lang="zh-CN" altLang="en-US"/>
           </a:p>
@@ -3419,7 +3422,7 @@
           <a:p>
             <a:fld id="{01E6FE81-882E-E04D-80B4-32FD3193F067}" type="datetimeFigureOut">
               <a:rPr kumimoji="1" lang="zh-CN" altLang="en-US" smtClean="0"/>
-              <a:t>2022/1/6</a:t>
+              <a:t>2021/12/12</a:t>
             </a:fld>
             <a:endParaRPr kumimoji="1" lang="zh-CN" altLang="en-US"/>
           </a:p>
@@ -3632,7 +3635,7 @@
           <a:p>
             <a:fld id="{01E6FE81-882E-E04D-80B4-32FD3193F067}" type="datetimeFigureOut">
               <a:rPr kumimoji="1" lang="zh-CN" altLang="en-US" smtClean="0"/>
-              <a:t>2022/1/6</a:t>
+              <a:t>2021/12/12</a:t>
             </a:fld>
             <a:endParaRPr kumimoji="1" lang="zh-CN" altLang="en-US"/>
           </a:p>
@@ -4524,10 +4527,10 @@
             <p:nvPr/>
           </p:nvPicPr>
           <p:blipFill>
-            <a:blip r:embed="rId3">
+            <a:blip r:embed="rId2">
               <a:extLst>
                 <a:ext uri="{96DAC541-7B7A-43D3-8B79-37D633B846F1}">
-                  <asvg:svgBlip xmlns:asvg="http://schemas.microsoft.com/office/drawing/2016/SVG/main" r:embed="rId4"/>
+                  <asvg:svgBlip xmlns:asvg="http://schemas.microsoft.com/office/drawing/2016/SVG/main" r:embed="rId3"/>
                 </a:ext>
               </a:extLst>
             </a:blip>
@@ -4696,10 +4699,10 @@
             <p:nvPr/>
           </p:nvPicPr>
           <p:blipFill>
-            <a:blip r:embed="rId3">
+            <a:blip r:embed="rId2">
               <a:extLst>
                 <a:ext uri="{96DAC541-7B7A-43D3-8B79-37D633B846F1}">
-                  <asvg:svgBlip xmlns:asvg="http://schemas.microsoft.com/office/drawing/2016/SVG/main" r:embed="rId4"/>
+                  <asvg:svgBlip xmlns:asvg="http://schemas.microsoft.com/office/drawing/2016/SVG/main" r:embed="rId3"/>
                 </a:ext>
               </a:extLst>
             </a:blip>
@@ -4868,10 +4871,10 @@
             <p:nvPr/>
           </p:nvPicPr>
           <p:blipFill>
-            <a:blip r:embed="rId3">
+            <a:blip r:embed="rId2">
               <a:extLst>
                 <a:ext uri="{96DAC541-7B7A-43D3-8B79-37D633B846F1}">
-                  <asvg:svgBlip xmlns:asvg="http://schemas.microsoft.com/office/drawing/2016/SVG/main" r:embed="rId4"/>
+                  <asvg:svgBlip xmlns:asvg="http://schemas.microsoft.com/office/drawing/2016/SVG/main" r:embed="rId3"/>
                 </a:ext>
               </a:extLst>
             </a:blip>
@@ -6847,8 +6850,8 @@
           </p:sp>
         </mc:Fallback>
       </mc:AlternateContent>
-      <mc:AlternateContent xmlns:mc="http://schemas.openxmlformats.org/markup-compatibility/2006" xmlns:a14="http://schemas.microsoft.com/office/drawing/2010/main">
-        <mc:Choice Requires="a14">
+      <mc:AlternateContent xmlns:mc="http://schemas.openxmlformats.org/markup-compatibility/2006">
+        <mc:Choice xmlns:a14="http://schemas.microsoft.com/office/drawing/2010/main" Requires="a14">
           <p:sp>
             <p:nvSpPr>
               <p:cNvPr id="41" name="文本框 40">
@@ -7067,7 +7070,7 @@
             </p:txBody>
           </p:sp>
         </mc:Choice>
-        <mc:Fallback xmlns="">
+        <mc:Fallback>
           <p:sp>
             <p:nvSpPr>
               <p:cNvPr id="41" name="文本框 40">
@@ -9241,8 +9244,8 @@
           </p:sp>
         </mc:Fallback>
       </mc:AlternateContent>
-      <mc:AlternateContent xmlns:mc="http://schemas.openxmlformats.org/markup-compatibility/2006">
-        <mc:Choice xmlns:a14="http://schemas.microsoft.com/office/drawing/2010/main" Requires="a14">
+      <mc:AlternateContent xmlns:mc="http://schemas.openxmlformats.org/markup-compatibility/2006" xmlns:a14="http://schemas.microsoft.com/office/drawing/2010/main">
+        <mc:Choice Requires="a14">
           <p:sp>
             <p:nvSpPr>
               <p:cNvPr id="40" name="文本框 39">
@@ -9257,7 +9260,7 @@
             </p:nvSpPr>
             <p:spPr>
               <a:xfrm>
-                <a:off x="4003753" y="3862797"/>
+                <a:off x="4003753" y="3991693"/>
                 <a:ext cx="1922449" cy="391646"/>
               </a:xfrm>
               <a:prstGeom prst="rect">
@@ -9407,7 +9410,7 @@
             </p:txBody>
           </p:sp>
         </mc:Choice>
-        <mc:Fallback>
+        <mc:Fallback xmlns="">
           <p:sp>
             <p:nvSpPr>
               <p:cNvPr id="40" name="文本框 39">
@@ -9424,7 +9427,7 @@
             </p:nvSpPr>
             <p:spPr>
               <a:xfrm>
-                <a:off x="4003753" y="3862797"/>
+                <a:off x="4003753" y="3991693"/>
                 <a:ext cx="1922449" cy="391646"/>
               </a:xfrm>
               <a:prstGeom prst="rect">
@@ -9721,6 +9724,268 @@
     <p:extLst>
       <p:ext uri="{BB962C8B-B14F-4D97-AF65-F5344CB8AC3E}">
         <p14:creationId xmlns:p14="http://schemas.microsoft.com/office/powerpoint/2010/main" val="2443361171"/>
+      </p:ext>
+    </p:extLst>
+  </p:cSld>
+  <p:clrMapOvr>
+    <a:masterClrMapping/>
+  </p:clrMapOvr>
+</p:sld>
+</file>
+
+<file path=ppt/slides/slide12.xml><?xml version="1.0" encoding="utf-8"?>
+<p:sld xmlns:a="http://schemas.openxmlformats.org/drawingml/2006/main" xmlns:r="http://schemas.openxmlformats.org/officeDocument/2006/relationships" xmlns:p="http://schemas.openxmlformats.org/presentationml/2006/main">
+  <p:cSld>
+    <p:spTree>
+      <p:nvGrpSpPr>
+        <p:cNvPr id="1" name=""/>
+        <p:cNvGrpSpPr/>
+        <p:nvPr/>
+      </p:nvGrpSpPr>
+      <p:grpSpPr>
+        <a:xfrm>
+          <a:off x="0" y="0"/>
+          <a:ext cx="0" cy="0"/>
+          <a:chOff x="0" y="0"/>
+          <a:chExt cx="0" cy="0"/>
+        </a:xfrm>
+      </p:grpSpPr>
+      <p:sp>
+        <p:nvSpPr>
+          <p:cNvPr id="2" name="标题 1">
+            <a:extLst>
+              <a:ext uri="{FF2B5EF4-FFF2-40B4-BE49-F238E27FC236}">
+                <a16:creationId xmlns:a16="http://schemas.microsoft.com/office/drawing/2014/main" id="{41BA2D56-0C4B-784C-8731-4AAF2E9E2E6F}"/>
+              </a:ext>
+            </a:extLst>
+          </p:cNvPr>
+          <p:cNvSpPr>
+            <a:spLocks noGrp="1"/>
+          </p:cNvSpPr>
+          <p:nvPr>
+            <p:ph type="title"/>
+          </p:nvPr>
+        </p:nvSpPr>
+        <p:spPr/>
+        <p:txBody>
+          <a:bodyPr/>
+          <a:lstStyle/>
+          <a:p>
+            <a:endParaRPr kumimoji="1" lang="zh-CN" altLang="en-US" dirty="0"/>
+          </a:p>
+        </p:txBody>
+      </p:sp>
+      <p:sp>
+        <p:nvSpPr>
+          <p:cNvPr id="3" name="内容占位符 2">
+            <a:extLst>
+              <a:ext uri="{FF2B5EF4-FFF2-40B4-BE49-F238E27FC236}">
+                <a16:creationId xmlns:a16="http://schemas.microsoft.com/office/drawing/2014/main" id="{FC4F9256-B24B-DE48-8A15-DB68D876E3C5}"/>
+              </a:ext>
+            </a:extLst>
+          </p:cNvPr>
+          <p:cNvSpPr>
+            <a:spLocks noGrp="1"/>
+          </p:cNvSpPr>
+          <p:nvPr>
+            <p:ph idx="1"/>
+          </p:nvPr>
+        </p:nvSpPr>
+        <p:spPr/>
+        <p:txBody>
+          <a:bodyPr/>
+          <a:lstStyle/>
+          <a:p>
+            <a:endParaRPr kumimoji="1" lang="zh-CN" altLang="en-US"/>
+          </a:p>
+        </p:txBody>
+      </p:sp>
+    </p:spTree>
+    <p:extLst>
+      <p:ext uri="{BB962C8B-B14F-4D97-AF65-F5344CB8AC3E}">
+        <p14:creationId xmlns:p14="http://schemas.microsoft.com/office/powerpoint/2010/main" val="1429978850"/>
+      </p:ext>
+    </p:extLst>
+  </p:cSld>
+  <p:clrMapOvr>
+    <a:masterClrMapping/>
+  </p:clrMapOvr>
+</p:sld>
+</file>
+
+<file path=ppt/slides/slide13.xml><?xml version="1.0" encoding="utf-8"?>
+<p:sld xmlns:a="http://schemas.openxmlformats.org/drawingml/2006/main" xmlns:r="http://schemas.openxmlformats.org/officeDocument/2006/relationships" xmlns:p="http://schemas.openxmlformats.org/presentationml/2006/main">
+  <p:cSld>
+    <p:spTree>
+      <p:nvGrpSpPr>
+        <p:cNvPr id="1" name=""/>
+        <p:cNvGrpSpPr/>
+        <p:nvPr/>
+      </p:nvGrpSpPr>
+      <p:grpSpPr>
+        <a:xfrm>
+          <a:off x="0" y="0"/>
+          <a:ext cx="0" cy="0"/>
+          <a:chOff x="0" y="0"/>
+          <a:chExt cx="0" cy="0"/>
+        </a:xfrm>
+      </p:grpSpPr>
+      <p:sp>
+        <p:nvSpPr>
+          <p:cNvPr id="2" name="标题 1">
+            <a:extLst>
+              <a:ext uri="{FF2B5EF4-FFF2-40B4-BE49-F238E27FC236}">
+                <a16:creationId xmlns:a16="http://schemas.microsoft.com/office/drawing/2014/main" id="{AF1554D5-47CD-7C48-9A39-F80754AB4207}"/>
+              </a:ext>
+            </a:extLst>
+          </p:cNvPr>
+          <p:cNvSpPr>
+            <a:spLocks noGrp="1"/>
+          </p:cNvSpPr>
+          <p:nvPr>
+            <p:ph type="title"/>
+          </p:nvPr>
+        </p:nvSpPr>
+        <p:spPr/>
+        <p:txBody>
+          <a:bodyPr/>
+          <a:lstStyle/>
+          <a:p>
+            <a:endParaRPr kumimoji="1" lang="zh-CN" altLang="en-US"/>
+          </a:p>
+        </p:txBody>
+      </p:sp>
+      <p:sp>
+        <p:nvSpPr>
+          <p:cNvPr id="3" name="内容占位符 2">
+            <a:extLst>
+              <a:ext uri="{FF2B5EF4-FFF2-40B4-BE49-F238E27FC236}">
+                <a16:creationId xmlns:a16="http://schemas.microsoft.com/office/drawing/2014/main" id="{F5A6ED1A-14CF-EB41-9541-081F43E2E685}"/>
+              </a:ext>
+            </a:extLst>
+          </p:cNvPr>
+          <p:cNvSpPr>
+            <a:spLocks noGrp="1"/>
+          </p:cNvSpPr>
+          <p:nvPr>
+            <p:ph idx="1"/>
+          </p:nvPr>
+        </p:nvSpPr>
+        <p:spPr/>
+        <p:txBody>
+          <a:bodyPr/>
+          <a:lstStyle/>
+          <a:p>
+            <a:endParaRPr kumimoji="1" lang="zh-CN" altLang="en-US"/>
+          </a:p>
+        </p:txBody>
+      </p:sp>
+    </p:spTree>
+    <p:extLst>
+      <p:ext uri="{BB962C8B-B14F-4D97-AF65-F5344CB8AC3E}">
+        <p14:creationId xmlns:p14="http://schemas.microsoft.com/office/powerpoint/2010/main" val="2051517325"/>
+      </p:ext>
+    </p:extLst>
+  </p:cSld>
+  <p:clrMapOvr>
+    <a:masterClrMapping/>
+  </p:clrMapOvr>
+</p:sld>
+</file>
+
+<file path=ppt/slides/slide14.xml><?xml version="1.0" encoding="utf-8"?>
+<p:sld xmlns:a="http://schemas.openxmlformats.org/drawingml/2006/main" xmlns:r="http://schemas.openxmlformats.org/officeDocument/2006/relationships" xmlns:p="http://schemas.openxmlformats.org/presentationml/2006/main" show="0">
+  <p:cSld>
+    <p:spTree>
+      <p:nvGrpSpPr>
+        <p:cNvPr id="1" name=""/>
+        <p:cNvGrpSpPr/>
+        <p:nvPr/>
+      </p:nvGrpSpPr>
+      <p:grpSpPr>
+        <a:xfrm>
+          <a:off x="0" y="0"/>
+          <a:ext cx="0" cy="0"/>
+          <a:chOff x="0" y="0"/>
+          <a:chExt cx="0" cy="0"/>
+        </a:xfrm>
+      </p:grpSpPr>
+      <p:sp>
+        <p:nvSpPr>
+          <p:cNvPr id="2" name="标题 1">
+            <a:extLst>
+              <a:ext uri="{FF2B5EF4-FFF2-40B4-BE49-F238E27FC236}">
+                <a16:creationId xmlns:a16="http://schemas.microsoft.com/office/drawing/2014/main" id="{06165806-D60D-4BBF-9283-A7C7964F6A84}"/>
+              </a:ext>
+            </a:extLst>
+          </p:cNvPr>
+          <p:cNvSpPr>
+            <a:spLocks noGrp="1"/>
+          </p:cNvSpPr>
+          <p:nvPr>
+            <p:ph type="title"/>
+          </p:nvPr>
+        </p:nvSpPr>
+        <p:spPr/>
+        <p:txBody>
+          <a:bodyPr/>
+          <a:lstStyle/>
+          <a:p>
+            <a:r>
+              <a:rPr lang="en-US" altLang="zh-CN"/>
+              <a:t>Synopsis</a:t>
+            </a:r>
+            <a:endParaRPr lang="zh-CN" altLang="en-US"/>
+          </a:p>
+        </p:txBody>
+      </p:sp>
+      <p:sp>
+        <p:nvSpPr>
+          <p:cNvPr id="3" name="内容占位符 2">
+            <a:extLst>
+              <a:ext uri="{FF2B5EF4-FFF2-40B4-BE49-F238E27FC236}">
+                <a16:creationId xmlns:a16="http://schemas.microsoft.com/office/drawing/2014/main" id="{19714C57-147A-4400-8B90-2D47EF85E897}"/>
+              </a:ext>
+            </a:extLst>
+          </p:cNvPr>
+          <p:cNvSpPr>
+            <a:spLocks noGrp="1"/>
+          </p:cNvSpPr>
+          <p:nvPr>
+            <p:ph idx="1"/>
+          </p:nvPr>
+        </p:nvSpPr>
+        <p:spPr/>
+        <p:txBody>
+          <a:bodyPr/>
+          <a:lstStyle/>
+          <a:p>
+            <a:r>
+              <a:rPr lang="en-US" altLang="zh-CN" dirty="0">
+                <a:solidFill>
+                  <a:schemeClr val="bg1">
+                    <a:lumMod val="85000"/>
+                  </a:schemeClr>
+                </a:solidFill>
+              </a:rPr>
+              <a:t>Functionality</a:t>
+            </a:r>
+          </a:p>
+          <a:p>
+            <a:endParaRPr lang="en-US" altLang="zh-CN" dirty="0"/>
+          </a:p>
+          <a:p>
+            <a:r>
+              <a:rPr lang="en-US" altLang="zh-CN" dirty="0"/>
+              <a:t>Proposal</a:t>
+            </a:r>
+          </a:p>
+        </p:txBody>
+      </p:sp>
+    </p:spTree>
+    <p:extLst>
+      <p:ext uri="{BB962C8B-B14F-4D97-AF65-F5344CB8AC3E}">
+        <p14:creationId xmlns:p14="http://schemas.microsoft.com/office/powerpoint/2010/main" val="1703832658"/>
       </p:ext>
     </p:extLst>
   </p:cSld>
@@ -22360,8 +22625,8 @@
           </p:sp>
         </mc:Fallback>
       </mc:AlternateContent>
-      <mc:AlternateContent xmlns:mc="http://schemas.openxmlformats.org/markup-compatibility/2006" xmlns:a14="http://schemas.microsoft.com/office/drawing/2010/main">
-        <mc:Choice Requires="a14">
+      <mc:AlternateContent xmlns:mc="http://schemas.openxmlformats.org/markup-compatibility/2006">
+        <mc:Choice xmlns:a14="http://schemas.microsoft.com/office/drawing/2010/main" Requires="a14">
           <p:sp>
             <p:nvSpPr>
               <p:cNvPr id="3" name="文本框 2">
@@ -22390,7 +22655,6 @@
               </a:bodyPr>
               <a:lstStyle/>
               <a:p>
-                <a:pPr/>
                 <a14:m>
                   <m:oMathPara xmlns:m="http://schemas.openxmlformats.org/officeDocument/2006/math">
                     <m:oMathParaPr>
@@ -22479,7 +22743,7 @@
             </p:txBody>
           </p:sp>
         </mc:Choice>
-        <mc:Fallback xmlns="">
+        <mc:Fallback>
           <p:sp>
             <p:nvSpPr>
               <p:cNvPr id="3" name="文本框 2">
@@ -22569,8 +22833,8 @@
           </a:fontRef>
         </p:style>
       </p:cxnSp>
-      <mc:AlternateContent xmlns:mc="http://schemas.openxmlformats.org/markup-compatibility/2006" xmlns:a14="http://schemas.microsoft.com/office/drawing/2010/main">
-        <mc:Choice Requires="a14">
+      <mc:AlternateContent xmlns:mc="http://schemas.openxmlformats.org/markup-compatibility/2006">
+        <mc:Choice xmlns:a14="http://schemas.microsoft.com/office/drawing/2010/main" Requires="a14">
           <p:sp>
             <p:nvSpPr>
               <p:cNvPr id="30" name="文本框 29">
@@ -22683,7 +22947,7 @@
             </p:txBody>
           </p:sp>
         </mc:Choice>
-        <mc:Fallback xmlns="">
+        <mc:Fallback>
           <p:sp>
             <p:nvSpPr>
               <p:cNvPr id="30" name="文本框 29">
@@ -22823,8 +23087,8 @@
           </a:fontRef>
         </p:style>
       </p:cxnSp>
-      <mc:AlternateContent xmlns:mc="http://schemas.openxmlformats.org/markup-compatibility/2006" xmlns:a14="http://schemas.microsoft.com/office/drawing/2010/main">
-        <mc:Choice Requires="a14">
+      <mc:AlternateContent xmlns:mc="http://schemas.openxmlformats.org/markup-compatibility/2006">
+        <mc:Choice xmlns:a14="http://schemas.microsoft.com/office/drawing/2010/main" Requires="a14">
           <p:sp>
             <p:nvSpPr>
               <p:cNvPr id="53" name="文本框 52">
@@ -22984,7 +23248,7 @@
             </p:txBody>
           </p:sp>
         </mc:Choice>
-        <mc:Fallback xmlns="">
+        <mc:Fallback>
           <p:sp>
             <p:nvSpPr>
               <p:cNvPr id="53" name="文本框 52">
@@ -23029,8 +23293,8 @@
           </p:sp>
         </mc:Fallback>
       </mc:AlternateContent>
-      <mc:AlternateContent xmlns:mc="http://schemas.openxmlformats.org/markup-compatibility/2006" xmlns:a14="http://schemas.microsoft.com/office/drawing/2010/main">
-        <mc:Choice Requires="a14">
+      <mc:AlternateContent xmlns:mc="http://schemas.openxmlformats.org/markup-compatibility/2006">
+        <mc:Choice xmlns:a14="http://schemas.microsoft.com/office/drawing/2010/main" Requires="a14">
           <p:sp>
             <p:nvSpPr>
               <p:cNvPr id="54" name="文本框 53">
@@ -23124,7 +23388,7 @@
             </p:txBody>
           </p:sp>
         </mc:Choice>
-        <mc:Fallback xmlns="">
+        <mc:Fallback>
           <p:sp>
             <p:nvSpPr>
               <p:cNvPr id="54" name="文本框 53">
@@ -23169,8 +23433,8 @@
           </p:sp>
         </mc:Fallback>
       </mc:AlternateContent>
-      <mc:AlternateContent xmlns:mc="http://schemas.openxmlformats.org/markup-compatibility/2006" xmlns:a14="http://schemas.microsoft.com/office/drawing/2010/main">
-        <mc:Choice Requires="a14">
+      <mc:AlternateContent xmlns:mc="http://schemas.openxmlformats.org/markup-compatibility/2006">
+        <mc:Choice xmlns:a14="http://schemas.microsoft.com/office/drawing/2010/main" Requires="a14">
           <p:sp>
             <p:nvSpPr>
               <p:cNvPr id="56" name="文本框 55">
@@ -23326,7 +23590,7 @@
             </p:txBody>
           </p:sp>
         </mc:Choice>
-        <mc:Fallback xmlns="">
+        <mc:Fallback>
           <p:sp>
             <p:nvSpPr>
               <p:cNvPr id="56" name="文本框 55">
@@ -23416,8 +23680,8 @@
           </a:fontRef>
         </p:style>
       </p:cxnSp>
-      <mc:AlternateContent xmlns:mc="http://schemas.openxmlformats.org/markup-compatibility/2006" xmlns:a14="http://schemas.microsoft.com/office/drawing/2010/main">
-        <mc:Choice Requires="a14">
+      <mc:AlternateContent xmlns:mc="http://schemas.openxmlformats.org/markup-compatibility/2006">
+        <mc:Choice xmlns:a14="http://schemas.microsoft.com/office/drawing/2010/main" Requires="a14">
           <p:sp>
             <p:nvSpPr>
               <p:cNvPr id="58" name="文本框 57">
@@ -23499,7 +23763,7 @@
             </p:txBody>
           </p:sp>
         </mc:Choice>
-        <mc:Fallback xmlns="">
+        <mc:Fallback>
           <p:sp>
             <p:nvSpPr>
               <p:cNvPr id="58" name="文本框 57">
@@ -23588,8 +23852,8 @@
           </a:fontRef>
         </p:style>
       </p:cxnSp>
-      <mc:AlternateContent xmlns:mc="http://schemas.openxmlformats.org/markup-compatibility/2006" xmlns:a14="http://schemas.microsoft.com/office/drawing/2010/main">
-        <mc:Choice Requires="a14">
+      <mc:AlternateContent xmlns:mc="http://schemas.openxmlformats.org/markup-compatibility/2006">
+        <mc:Choice xmlns:a14="http://schemas.microsoft.com/office/drawing/2010/main" Requires="a14">
           <p:sp>
             <p:nvSpPr>
               <p:cNvPr id="60" name="文本框 59">
@@ -23721,7 +23985,7 @@
             </p:txBody>
           </p:sp>
         </mc:Choice>
-        <mc:Fallback xmlns="">
+        <mc:Fallback>
           <p:sp>
             <p:nvSpPr>
               <p:cNvPr id="60" name="文本框 59">
@@ -23766,8 +24030,8 @@
           </p:sp>
         </mc:Fallback>
       </mc:AlternateContent>
-      <mc:AlternateContent xmlns:mc="http://schemas.openxmlformats.org/markup-compatibility/2006" xmlns:a14="http://schemas.microsoft.com/office/drawing/2010/main">
-        <mc:Choice Requires="a14">
+      <mc:AlternateContent xmlns:mc="http://schemas.openxmlformats.org/markup-compatibility/2006">
+        <mc:Choice xmlns:a14="http://schemas.microsoft.com/office/drawing/2010/main" Requires="a14">
           <p:sp>
             <p:nvSpPr>
               <p:cNvPr id="63" name="文本框 62">
@@ -23885,7 +24149,7 @@
             </p:txBody>
           </p:sp>
         </mc:Choice>
-        <mc:Fallback xmlns="">
+        <mc:Fallback>
           <p:sp>
             <p:nvSpPr>
               <p:cNvPr id="63" name="文本框 62">
@@ -23975,8 +24239,8 @@
           </a:fontRef>
         </p:style>
       </p:cxnSp>
-      <mc:AlternateContent xmlns:mc="http://schemas.openxmlformats.org/markup-compatibility/2006" xmlns:a14="http://schemas.microsoft.com/office/drawing/2010/main">
-        <mc:Choice Requires="a14">
+      <mc:AlternateContent xmlns:mc="http://schemas.openxmlformats.org/markup-compatibility/2006">
+        <mc:Choice xmlns:a14="http://schemas.microsoft.com/office/drawing/2010/main" Requires="a14">
           <p:sp>
             <p:nvSpPr>
               <p:cNvPr id="66" name="文本框 65">
@@ -24107,7 +24371,7 @@
             </p:txBody>
           </p:sp>
         </mc:Choice>
-        <mc:Fallback xmlns="">
+        <mc:Fallback>
           <p:sp>
             <p:nvSpPr>
               <p:cNvPr id="66" name="文本框 65">
@@ -24152,8 +24416,8 @@
           </p:sp>
         </mc:Fallback>
       </mc:AlternateContent>
-      <mc:AlternateContent xmlns:mc="http://schemas.openxmlformats.org/markup-compatibility/2006" xmlns:a14="http://schemas.microsoft.com/office/drawing/2010/main">
-        <mc:Choice Requires="a14">
+      <mc:AlternateContent xmlns:mc="http://schemas.openxmlformats.org/markup-compatibility/2006">
+        <mc:Choice xmlns:a14="http://schemas.microsoft.com/office/drawing/2010/main" Requires="a14">
           <p:sp>
             <p:nvSpPr>
               <p:cNvPr id="67" name="文本框 66">
@@ -24337,7 +24601,7 @@
             </p:txBody>
           </p:sp>
         </mc:Choice>
-        <mc:Fallback xmlns="">
+        <mc:Fallback>
           <p:sp>
             <p:nvSpPr>
               <p:cNvPr id="67" name="文本框 66">
@@ -24382,8 +24646,8 @@
           </p:sp>
         </mc:Fallback>
       </mc:AlternateContent>
-      <mc:AlternateContent xmlns:mc="http://schemas.openxmlformats.org/markup-compatibility/2006" xmlns:a14="http://schemas.microsoft.com/office/drawing/2010/main">
-        <mc:Choice Requires="a14">
+      <mc:AlternateContent xmlns:mc="http://schemas.openxmlformats.org/markup-compatibility/2006">
+        <mc:Choice xmlns:a14="http://schemas.microsoft.com/office/drawing/2010/main" Requires="a14">
           <p:sp>
             <p:nvSpPr>
               <p:cNvPr id="68" name="文本框 67">
@@ -24472,7 +24736,7 @@
             </p:txBody>
           </p:sp>
         </mc:Choice>
-        <mc:Fallback xmlns="">
+        <mc:Fallback>
           <p:sp>
             <p:nvSpPr>
               <p:cNvPr id="68" name="文本框 67">
